--- a/trunk/Documentation/core/enable FSM.pptx
+++ b/trunk/Documentation/core/enable FSM.pptx
@@ -4107,8 +4107,8 @@
           <a:p>
             <a:pPr algn="ctr"/>
             <a:r>
-              <a:rPr lang="en-US" sz="1200" smtClean="0"/>
-              <a:t>ENABLE_S= </a:t>
+              <a:rPr lang="en-US" sz="1200" dirty="0" smtClean="0"/>
+              <a:t>ENABLE= </a:t>
             </a:r>
             <a:r>
               <a:rPr lang="en-US" sz="1200" dirty="0" smtClean="0"/>
@@ -4225,7 +4225,7 @@
             <a:pPr algn="ctr"/>
             <a:r>
               <a:rPr lang="en-US" sz="1200" dirty="0" smtClean="0"/>
-              <a:t>ENABLE_S= 1</a:t>
+              <a:t>ENABLE= 1</a:t>
             </a:r>
             <a:endParaRPr lang="he-IL" sz="1200" dirty="0"/>
           </a:p>
